--- a/ppt/shape.pptx
+++ b/ppt/shape.pptx
@@ -3508,13 +3508,65 @@
           <p:nvPr/>
         </p:nvSpPr>
         <p:spPr>
-          <a:xfrm>
-            <a:off x="0" y="0"/>
-            <a:ext cx="12192635" cy="6858635"/>
+          <a:xfrm rot="5400000">
+            <a:off x="1082675" y="382905"/>
+            <a:ext cx="5880100" cy="3628390"/>
           </a:xfrm>
           <a:prstGeom prst="rect">
             <a:avLst/>
           </a:prstGeom>
+          <a:solidFill>
+            <a:schemeClr val="accent1"/>
+          </a:solidFill>
+          <a:ln>
+            <a:noFill/>
+          </a:ln>
+        </p:spPr>
+        <p:style>
+          <a:lnRef idx="2">
+            <a:schemeClr val="accent1">
+              <a:shade val="50000"/>
+            </a:schemeClr>
+          </a:lnRef>
+          <a:fillRef idx="1">
+            <a:schemeClr val="accent1"/>
+          </a:fillRef>
+          <a:effectRef idx="0">
+            <a:schemeClr val="accent1"/>
+          </a:effectRef>
+          <a:fontRef idx="minor">
+            <a:schemeClr val="lt1"/>
+          </a:fontRef>
+        </p:style>
+        <p:txBody>
+          <a:bodyPr rtlCol="0" anchor="ctr"/>
+          <a:p>
+            <a:pPr algn="ctr"/>
+            <a:endParaRPr lang="zh-CN" altLang="en-US"/>
+          </a:p>
+        </p:txBody>
+      </p:sp>
+      <p:sp>
+        <p:nvSpPr>
+          <p:cNvPr id="5" name="矩形 4"/>
+          <p:cNvSpPr/>
+          <p:nvPr/>
+        </p:nvSpPr>
+        <p:spPr>
+          <a:xfrm>
+            <a:off x="8110220" y="2945130"/>
+            <a:ext cx="3148330" cy="2548255"/>
+          </a:xfrm>
+          <a:prstGeom prst="rect">
+            <a:avLst/>
+          </a:prstGeom>
+          <a:ln w="190500">
+            <a:solidFill>
+              <a:srgbClr val="00B050">
+                <a:alpha val="69000"/>
+              </a:srgbClr>
+            </a:solidFill>
+          </a:ln>
         </p:spPr>
         <p:style>
           <a:lnRef idx="2">
@@ -3577,6 +3629,11 @@
               <a:alpha val="55000"/>
             </a:schemeClr>
           </a:solidFill>
+          <a:ln>
+            <a:solidFill>
+              <a:srgbClr val="FF0000"/>
+            </a:solidFill>
+          </a:ln>
         </p:spPr>
         <p:style>
           <a:lnRef idx="2">
@@ -3616,6 +3673,7 @@
           <a:prstGeom prst="snip1Rect">
             <a:avLst/>
           </a:prstGeom>
+          <a:noFill/>
         </p:spPr>
         <p:style>
           <a:lnRef idx="2">

--- a/ppt/shape.pptx
+++ b/ppt/shape.pptx
@@ -8,11 +8,12 @@
     <p:notesMasterId r:id="rId4"/>
   </p:notesMasterIdLst>
   <p:handoutMasterIdLst>
-    <p:handoutMasterId r:id="rId6"/>
+    <p:handoutMasterId r:id="rId7"/>
   </p:handoutMasterIdLst>
   <p:sldIdLst>
     <p:sldId id="256" r:id="rId3"/>
     <p:sldId id="257" r:id="rId5"/>
+    <p:sldId id="258" r:id="rId6"/>
   </p:sldIdLst>
   <p:sldSz cx="12192000" cy="6858000"/>
   <p:notesSz cx="7103745" cy="10234295"/>
@@ -3674,6 +3675,69 @@
             <a:avLst/>
           </a:prstGeom>
           <a:noFill/>
+        </p:spPr>
+        <p:style>
+          <a:lnRef idx="2">
+            <a:schemeClr val="accent1">
+              <a:shade val="50000"/>
+            </a:schemeClr>
+          </a:lnRef>
+          <a:fillRef idx="1">
+            <a:schemeClr val="accent1"/>
+          </a:fillRef>
+          <a:effectRef idx="0">
+            <a:schemeClr val="accent1"/>
+          </a:effectRef>
+          <a:fontRef idx="minor">
+            <a:schemeClr val="lt1"/>
+          </a:fontRef>
+        </p:style>
+        <p:txBody>
+          <a:bodyPr rtlCol="0" anchor="ctr"/>
+          <a:p>
+            <a:pPr algn="ctr"/>
+            <a:endParaRPr lang="zh-CN" altLang="en-US"/>
+          </a:p>
+        </p:txBody>
+      </p:sp>
+    </p:spTree>
+  </p:cSld>
+  <p:clrMapOvr>
+    <a:masterClrMapping/>
+  </p:clrMapOvr>
+</p:sld>
+</file>
+
+<file path=ppt/slides/slide3.xml><?xml version="1.0" encoding="utf-8"?>
+<p:sld xmlns:a="http://schemas.openxmlformats.org/drawingml/2006/main" xmlns:r="http://schemas.openxmlformats.org/officeDocument/2006/relationships" xmlns:p="http://schemas.openxmlformats.org/presentationml/2006/main">
+  <p:cSld>
+    <p:spTree>
+      <p:nvGrpSpPr>
+        <p:cNvPr id="1" name=""/>
+        <p:cNvGrpSpPr/>
+        <p:nvPr/>
+      </p:nvGrpSpPr>
+      <p:grpSpPr/>
+      <p:sp>
+        <p:nvSpPr>
+          <p:cNvPr id="4" name="剪去单角的矩形 3"/>
+          <p:cNvSpPr/>
+          <p:nvPr/>
+        </p:nvSpPr>
+        <p:spPr>
+          <a:xfrm flipH="1" flipV="1">
+            <a:off x="1381760" y="1012825"/>
+            <a:ext cx="1715135" cy="2282190"/>
+          </a:xfrm>
+          <a:prstGeom prst="snip1Rect">
+            <a:avLst/>
+          </a:prstGeom>
+          <a:scene3d>
+            <a:camera prst="orthographicFront">
+              <a:rot lat="0" lon="0" rev="0"/>
+            </a:camera>
+            <a:lightRig rig="threePt" dir="t"/>
+          </a:scene3d>
         </p:spPr>
         <p:style>
           <a:lnRef idx="2">

--- a/ppt/shape.pptx
+++ b/ppt/shape.pptx
@@ -3505,7 +3505,9 @@
       <p:sp>
         <p:nvSpPr>
           <p:cNvPr id="3" name="矩形 2"/>
-          <p:cNvSpPr/>
+          <p:cNvSpPr>
+            <a:spLocks noChangeAspect="1"/>
+          </p:cNvSpPr>
           <p:nvPr/>
         </p:nvSpPr>
         <p:spPr>

--- a/ppt/shape.pptx
+++ b/ppt/shape.pptx
@@ -3740,6 +3740,98 @@
             </a:camera>
             <a:lightRig rig="threePt" dir="t"/>
           </a:scene3d>
+        </p:spPr>
+        <p:style>
+          <a:lnRef idx="2">
+            <a:schemeClr val="accent1">
+              <a:shade val="50000"/>
+            </a:schemeClr>
+          </a:lnRef>
+          <a:fillRef idx="1">
+            <a:schemeClr val="accent1"/>
+          </a:fillRef>
+          <a:effectRef idx="0">
+            <a:schemeClr val="accent1"/>
+          </a:effectRef>
+          <a:fontRef idx="minor">
+            <a:schemeClr val="lt1"/>
+          </a:fontRef>
+        </p:style>
+        <p:txBody>
+          <a:bodyPr rtlCol="0" anchor="ctr"/>
+          <a:p>
+            <a:pPr algn="ctr"/>
+            <a:endParaRPr lang="zh-CN" altLang="en-US"/>
+          </a:p>
+        </p:txBody>
+      </p:sp>
+      <p:sp>
+        <p:nvSpPr>
+          <p:cNvPr id="5" name="矩形 4"/>
+          <p:cNvSpPr/>
+          <p:nvPr/>
+        </p:nvSpPr>
+        <p:spPr>
+          <a:xfrm>
+            <a:off x="4779010" y="1146175"/>
+            <a:ext cx="4580890" cy="2381885"/>
+          </a:xfrm>
+          <a:prstGeom prst="rect">
+            <a:avLst/>
+          </a:prstGeom>
+          <a:effectLst>
+            <a:outerShdw blurRad="177800" dist="101600" dir="5400000" algn="ctr" rotWithShape="0">
+              <a:srgbClr val="990000">
+                <a:alpha val="78000"/>
+              </a:srgbClr>
+            </a:outerShdw>
+          </a:effectLst>
+        </p:spPr>
+        <p:style>
+          <a:lnRef idx="2">
+            <a:schemeClr val="accent1">
+              <a:shade val="50000"/>
+            </a:schemeClr>
+          </a:lnRef>
+          <a:fillRef idx="1">
+            <a:schemeClr val="accent1"/>
+          </a:fillRef>
+          <a:effectRef idx="0">
+            <a:schemeClr val="accent1"/>
+          </a:effectRef>
+          <a:fontRef idx="minor">
+            <a:schemeClr val="lt1"/>
+          </a:fontRef>
+        </p:style>
+        <p:txBody>
+          <a:bodyPr rtlCol="0" anchor="ctr"/>
+          <a:p>
+            <a:pPr algn="ctr"/>
+            <a:endParaRPr lang="zh-CN" altLang="en-US"/>
+          </a:p>
+        </p:txBody>
+      </p:sp>
+      <p:sp>
+        <p:nvSpPr>
+          <p:cNvPr id="7" name="矩形 6"/>
+          <p:cNvSpPr/>
+          <p:nvPr/>
+        </p:nvSpPr>
+        <p:spPr>
+          <a:xfrm>
+            <a:off x="2364105" y="4527550"/>
+            <a:ext cx="3464560" cy="1831975"/>
+          </a:xfrm>
+          <a:prstGeom prst="rect">
+            <a:avLst/>
+          </a:prstGeom>
+          <a:effectLst>
+            <a:outerShdw blurRad="50800" dist="381000" dir="13800000" algn="ctr" rotWithShape="0">
+              <a:srgbClr val="990000">
+                <a:alpha val="100000"/>
+              </a:srgbClr>
+            </a:outerShdw>
+          </a:effectLst>
         </p:spPr>
         <p:style>
           <a:lnRef idx="2">

--- a/ppt/shape.pptx
+++ b/ppt/shape.pptx
@@ -8,12 +8,13 @@
     <p:notesMasterId r:id="rId4"/>
   </p:notesMasterIdLst>
   <p:handoutMasterIdLst>
-    <p:handoutMasterId r:id="rId7"/>
+    <p:handoutMasterId r:id="rId8"/>
   </p:handoutMasterIdLst>
   <p:sldIdLst>
     <p:sldId id="256" r:id="rId3"/>
     <p:sldId id="257" r:id="rId5"/>
     <p:sldId id="258" r:id="rId6"/>
+    <p:sldId id="259" r:id="rId7"/>
   </p:sldIdLst>
   <p:sldSz cx="12192000" cy="6858000"/>
   <p:notesSz cx="7103745" cy="10234295"/>
@@ -3826,12 +3827,98 @@
             <a:avLst/>
           </a:prstGeom>
           <a:effectLst>
-            <a:outerShdw blurRad="50800" dist="381000" dir="13800000" algn="ctr" rotWithShape="0">
+            <a:outerShdw blurRad="50800" dist="381000" dir="12600000" algn="ctr" rotWithShape="0">
               <a:srgbClr val="990000">
                 <a:alpha val="100000"/>
               </a:srgbClr>
             </a:outerShdw>
           </a:effectLst>
+        </p:spPr>
+        <p:style>
+          <a:lnRef idx="2">
+            <a:schemeClr val="accent1">
+              <a:shade val="50000"/>
+            </a:schemeClr>
+          </a:lnRef>
+          <a:fillRef idx="1">
+            <a:schemeClr val="accent1"/>
+          </a:fillRef>
+          <a:effectRef idx="0">
+            <a:schemeClr val="accent1"/>
+          </a:effectRef>
+          <a:fontRef idx="minor">
+            <a:schemeClr val="lt1"/>
+          </a:fontRef>
+        </p:style>
+        <p:txBody>
+          <a:bodyPr rtlCol="0" anchor="ctr"/>
+          <a:p>
+            <a:pPr algn="ctr"/>
+            <a:endParaRPr lang="zh-CN" altLang="en-US"/>
+          </a:p>
+        </p:txBody>
+      </p:sp>
+    </p:spTree>
+  </p:cSld>
+  <p:clrMapOvr>
+    <a:masterClrMapping/>
+  </p:clrMapOvr>
+</p:sld>
+</file>
+
+<file path=ppt/slides/slide4.xml><?xml version="1.0" encoding="utf-8"?>
+<p:sld xmlns:a="http://schemas.openxmlformats.org/drawingml/2006/main" xmlns:r="http://schemas.openxmlformats.org/officeDocument/2006/relationships" xmlns:p="http://schemas.openxmlformats.org/presentationml/2006/main">
+  <p:cSld>
+    <p:spTree>
+      <p:nvGrpSpPr>
+        <p:cNvPr id="1" name=""/>
+        <p:cNvGrpSpPr/>
+        <p:nvPr/>
+      </p:nvGrpSpPr>
+      <p:grpSpPr/>
+      <p:sp>
+        <p:nvSpPr>
+          <p:cNvPr id="4" name="矩形 3"/>
+          <p:cNvSpPr/>
+          <p:nvPr/>
+        </p:nvSpPr>
+        <p:spPr>
+          <a:xfrm>
+            <a:off x="1850390" y="1560195"/>
+            <a:ext cx="3769360" cy="2462530"/>
+          </a:xfrm>
+          <a:prstGeom prst="rect">
+            <a:avLst/>
+          </a:prstGeom>
+          <a:gradFill>
+            <a:gsLst>
+              <a:gs pos="0">
+                <a:schemeClr val="accent1">
+                  <a:lumMod val="5000"/>
+                  <a:lumOff val="95000"/>
+                </a:schemeClr>
+              </a:gs>
+              <a:gs pos="74000">
+                <a:schemeClr val="accent1">
+                  <a:lumMod val="45000"/>
+                  <a:lumOff val="55000"/>
+                </a:schemeClr>
+              </a:gs>
+              <a:gs pos="83000">
+                <a:schemeClr val="accent1">
+                  <a:lumMod val="45000"/>
+                  <a:lumOff val="55000"/>
+                </a:schemeClr>
+              </a:gs>
+              <a:gs pos="100000">
+                <a:schemeClr val="accent1">
+                  <a:lumMod val="30000"/>
+                  <a:lumOff val="70000"/>
+                </a:schemeClr>
+              </a:gs>
+            </a:gsLst>
+            <a:lin ang="5400000" scaled="0"/>
+          </a:gradFill>
         </p:spPr>
         <p:style>
           <a:lnRef idx="2">

--- a/ppt/shape.pptx
+++ b/ppt/shape.pptx
@@ -3607,6 +3607,14 @@
 <file path=ppt/slides/slide2.xml><?xml version="1.0" encoding="utf-8"?>
 <p:sld xmlns:a="http://schemas.openxmlformats.org/drawingml/2006/main" xmlns:r="http://schemas.openxmlformats.org/officeDocument/2006/relationships" xmlns:p="http://schemas.openxmlformats.org/presentationml/2006/main">
   <p:cSld>
+    <p:bg>
+      <p:bgPr>
+        <a:solidFill>
+          <a:schemeClr val="bg1"/>
+        </a:solidFill>
+        <a:effectLst/>
+      </p:bgPr>
+    </p:bg>
     <p:spTree>
       <p:nvGrpSpPr>
         <p:cNvPr id="1" name=""/>

--- a/ppt/shape.pptx
+++ b/ppt/shape.pptx
@@ -3711,188 +3711,15 @@
           </a:p>
         </p:txBody>
       </p:sp>
-    </p:spTree>
-  </p:cSld>
-  <p:clrMapOvr>
-    <a:masterClrMapping/>
-  </p:clrMapOvr>
-</p:sld>
-</file>
-
-<file path=ppt/slides/slide3.xml><?xml version="1.0" encoding="utf-8"?>
-<p:sld xmlns:a="http://schemas.openxmlformats.org/drawingml/2006/main" xmlns:r="http://schemas.openxmlformats.org/officeDocument/2006/relationships" xmlns:p="http://schemas.openxmlformats.org/presentationml/2006/main">
-  <p:cSld>
-    <p:spTree>
-      <p:nvGrpSpPr>
-        <p:cNvPr id="1" name=""/>
-        <p:cNvGrpSpPr/>
-        <p:nvPr/>
-      </p:nvGrpSpPr>
-      <p:grpSpPr/>
-      <p:sp>
-        <p:nvSpPr>
-          <p:cNvPr id="4" name="剪去单角的矩形 3"/>
+      <p:sp>
+        <p:nvSpPr>
+          <p:cNvPr id="6" name="矩形 5"/>
           <p:cNvSpPr/>
           <p:nvPr/>
         </p:nvSpPr>
         <p:spPr>
-          <a:xfrm flipH="1" flipV="1">
-            <a:off x="1381760" y="1012825"/>
-            <a:ext cx="1715135" cy="2282190"/>
-          </a:xfrm>
-          <a:prstGeom prst="snip1Rect">
-            <a:avLst/>
-          </a:prstGeom>
-          <a:scene3d>
-            <a:camera prst="orthographicFront">
-              <a:rot lat="0" lon="0" rev="0"/>
-            </a:camera>
-            <a:lightRig rig="threePt" dir="t"/>
-          </a:scene3d>
-        </p:spPr>
-        <p:style>
-          <a:lnRef idx="2">
-            <a:schemeClr val="accent1">
-              <a:shade val="50000"/>
-            </a:schemeClr>
-          </a:lnRef>
-          <a:fillRef idx="1">
-            <a:schemeClr val="accent1"/>
-          </a:fillRef>
-          <a:effectRef idx="0">
-            <a:schemeClr val="accent1"/>
-          </a:effectRef>
-          <a:fontRef idx="minor">
-            <a:schemeClr val="lt1"/>
-          </a:fontRef>
-        </p:style>
-        <p:txBody>
-          <a:bodyPr rtlCol="0" anchor="ctr"/>
-          <a:p>
-            <a:pPr algn="ctr"/>
-            <a:endParaRPr lang="zh-CN" altLang="en-US"/>
-          </a:p>
-        </p:txBody>
-      </p:sp>
-      <p:sp>
-        <p:nvSpPr>
-          <p:cNvPr id="5" name="矩形 4"/>
-          <p:cNvSpPr/>
-          <p:nvPr/>
-        </p:nvSpPr>
-        <p:spPr>
           <a:xfrm>
-            <a:off x="4779010" y="1146175"/>
-            <a:ext cx="4580890" cy="2381885"/>
-          </a:xfrm>
-          <a:prstGeom prst="rect">
-            <a:avLst/>
-          </a:prstGeom>
-          <a:effectLst>
-            <a:outerShdw blurRad="177800" dist="101600" dir="5400000" algn="ctr" rotWithShape="0">
-              <a:srgbClr val="990000">
-                <a:alpha val="78000"/>
-              </a:srgbClr>
-            </a:outerShdw>
-          </a:effectLst>
-        </p:spPr>
-        <p:style>
-          <a:lnRef idx="2">
-            <a:schemeClr val="accent1">
-              <a:shade val="50000"/>
-            </a:schemeClr>
-          </a:lnRef>
-          <a:fillRef idx="1">
-            <a:schemeClr val="accent1"/>
-          </a:fillRef>
-          <a:effectRef idx="0">
-            <a:schemeClr val="accent1"/>
-          </a:effectRef>
-          <a:fontRef idx="minor">
-            <a:schemeClr val="lt1"/>
-          </a:fontRef>
-        </p:style>
-        <p:txBody>
-          <a:bodyPr rtlCol="0" anchor="ctr"/>
-          <a:p>
-            <a:pPr algn="ctr"/>
-            <a:endParaRPr lang="zh-CN" altLang="en-US"/>
-          </a:p>
-        </p:txBody>
-      </p:sp>
-      <p:sp>
-        <p:nvSpPr>
-          <p:cNvPr id="7" name="矩形 6"/>
-          <p:cNvSpPr/>
-          <p:nvPr/>
-        </p:nvSpPr>
-        <p:spPr>
-          <a:xfrm>
-            <a:off x="2364105" y="4527550"/>
-            <a:ext cx="3464560" cy="1831975"/>
-          </a:xfrm>
-          <a:prstGeom prst="rect">
-            <a:avLst/>
-          </a:prstGeom>
-          <a:effectLst>
-            <a:outerShdw blurRad="50800" dist="381000" dir="12600000" algn="ctr" rotWithShape="0">
-              <a:srgbClr val="990000">
-                <a:alpha val="100000"/>
-              </a:srgbClr>
-            </a:outerShdw>
-          </a:effectLst>
-        </p:spPr>
-        <p:style>
-          <a:lnRef idx="2">
-            <a:schemeClr val="accent1">
-              <a:shade val="50000"/>
-            </a:schemeClr>
-          </a:lnRef>
-          <a:fillRef idx="1">
-            <a:schemeClr val="accent1"/>
-          </a:fillRef>
-          <a:effectRef idx="0">
-            <a:schemeClr val="accent1"/>
-          </a:effectRef>
-          <a:fontRef idx="minor">
-            <a:schemeClr val="lt1"/>
-          </a:fontRef>
-        </p:style>
-        <p:txBody>
-          <a:bodyPr rtlCol="0" anchor="ctr"/>
-          <a:p>
-            <a:pPr algn="ctr"/>
-            <a:endParaRPr lang="zh-CN" altLang="en-US"/>
-          </a:p>
-        </p:txBody>
-      </p:sp>
-    </p:spTree>
-  </p:cSld>
-  <p:clrMapOvr>
-    <a:masterClrMapping/>
-  </p:clrMapOvr>
-</p:sld>
-</file>
-
-<file path=ppt/slides/slide4.xml><?xml version="1.0" encoding="utf-8"?>
-<p:sld xmlns:a="http://schemas.openxmlformats.org/drawingml/2006/main" xmlns:r="http://schemas.openxmlformats.org/officeDocument/2006/relationships" xmlns:p="http://schemas.openxmlformats.org/presentationml/2006/main">
-  <p:cSld>
-    <p:spTree>
-      <p:nvGrpSpPr>
-        <p:cNvPr id="1" name=""/>
-        <p:cNvGrpSpPr/>
-        <p:nvPr/>
-      </p:nvGrpSpPr>
-      <p:grpSpPr/>
-      <p:sp>
-        <p:nvSpPr>
-          <p:cNvPr id="4" name="矩形 3"/>
-          <p:cNvSpPr/>
-          <p:nvPr/>
-        </p:nvSpPr>
-        <p:spPr>
-          <a:xfrm>
-            <a:off x="1850390" y="1560195"/>
+            <a:off x="1391920" y="4175125"/>
             <a:ext cx="3769360" cy="2462530"/>
           </a:xfrm>
           <a:prstGeom prst="rect">
@@ -3927,6 +3754,413 @@
             </a:gsLst>
             <a:lin ang="5400000" scaled="0"/>
           </a:gradFill>
+        </p:spPr>
+        <p:style>
+          <a:lnRef idx="2">
+            <a:schemeClr val="accent1">
+              <a:shade val="50000"/>
+            </a:schemeClr>
+          </a:lnRef>
+          <a:fillRef idx="1">
+            <a:schemeClr val="accent1"/>
+          </a:fillRef>
+          <a:effectRef idx="0">
+            <a:schemeClr val="accent1"/>
+          </a:effectRef>
+          <a:fontRef idx="minor">
+            <a:schemeClr val="lt1"/>
+          </a:fontRef>
+        </p:style>
+        <p:txBody>
+          <a:bodyPr rtlCol="0" anchor="ctr"/>
+          <a:p>
+            <a:pPr algn="ctr"/>
+            <a:endParaRPr lang="zh-CN" altLang="en-US"/>
+          </a:p>
+        </p:txBody>
+      </p:sp>
+    </p:spTree>
+  </p:cSld>
+  <p:clrMapOvr>
+    <a:masterClrMapping/>
+  </p:clrMapOvr>
+</p:sld>
+</file>
+
+<file path=ppt/slides/slide3.xml><?xml version="1.0" encoding="utf-8"?>
+<p:sld xmlns:a="http://schemas.openxmlformats.org/drawingml/2006/main" xmlns:r="http://schemas.openxmlformats.org/officeDocument/2006/relationships" xmlns:p="http://schemas.openxmlformats.org/presentationml/2006/main">
+  <p:cSld>
+    <p:spTree>
+      <p:nvGrpSpPr>
+        <p:cNvPr id="1" name=""/>
+        <p:cNvGrpSpPr/>
+        <p:nvPr/>
+      </p:nvGrpSpPr>
+      <p:grpSpPr/>
+      <p:sp>
+        <p:nvSpPr>
+          <p:cNvPr id="4" name="剪去单角的矩形 3"/>
+          <p:cNvSpPr/>
+          <p:nvPr/>
+        </p:nvSpPr>
+        <p:spPr>
+          <a:xfrm flipH="1" flipV="1">
+            <a:off x="1381760" y="1012825"/>
+            <a:ext cx="1715135" cy="2282190"/>
+          </a:xfrm>
+          <a:prstGeom prst="snip1Rect">
+            <a:avLst/>
+          </a:prstGeom>
+          <a:scene3d>
+            <a:camera prst="orthographicFront">
+              <a:rot lat="0" lon="0" rev="0"/>
+            </a:camera>
+            <a:lightRig rig="threePt" dir="t"/>
+          </a:scene3d>
+        </p:spPr>
+        <p:style>
+          <a:lnRef idx="2">
+            <a:schemeClr val="accent1">
+              <a:shade val="50000"/>
+            </a:schemeClr>
+          </a:lnRef>
+          <a:fillRef idx="1">
+            <a:schemeClr val="accent1"/>
+          </a:fillRef>
+          <a:effectRef idx="0">
+            <a:schemeClr val="accent1"/>
+          </a:effectRef>
+          <a:fontRef idx="minor">
+            <a:schemeClr val="lt1"/>
+          </a:fontRef>
+        </p:style>
+        <p:txBody>
+          <a:bodyPr rtlCol="0" anchor="ctr"/>
+          <a:p>
+            <a:pPr algn="ctr"/>
+            <a:endParaRPr lang="zh-CN" altLang="en-US"/>
+          </a:p>
+        </p:txBody>
+      </p:sp>
+      <p:sp>
+        <p:nvSpPr>
+          <p:cNvPr id="5" name="矩形 4"/>
+          <p:cNvSpPr/>
+          <p:nvPr/>
+        </p:nvSpPr>
+        <p:spPr>
+          <a:xfrm>
+            <a:off x="4779010" y="1146175"/>
+            <a:ext cx="4580890" cy="2381885"/>
+          </a:xfrm>
+          <a:prstGeom prst="rect">
+            <a:avLst/>
+          </a:prstGeom>
+          <a:effectLst>
+            <a:outerShdw blurRad="177800" dist="101600" dir="5400000" algn="ctr" rotWithShape="0">
+              <a:srgbClr val="990000">
+                <a:alpha val="78000"/>
+              </a:srgbClr>
+            </a:outerShdw>
+          </a:effectLst>
+        </p:spPr>
+        <p:style>
+          <a:lnRef idx="2">
+            <a:schemeClr val="accent1">
+              <a:shade val="50000"/>
+            </a:schemeClr>
+          </a:lnRef>
+          <a:fillRef idx="1">
+            <a:schemeClr val="accent1"/>
+          </a:fillRef>
+          <a:effectRef idx="0">
+            <a:schemeClr val="accent1"/>
+          </a:effectRef>
+          <a:fontRef idx="minor">
+            <a:schemeClr val="lt1"/>
+          </a:fontRef>
+        </p:style>
+        <p:txBody>
+          <a:bodyPr rtlCol="0" anchor="ctr"/>
+          <a:p>
+            <a:pPr algn="ctr"/>
+            <a:endParaRPr lang="zh-CN" altLang="en-US"/>
+          </a:p>
+        </p:txBody>
+      </p:sp>
+      <p:sp>
+        <p:nvSpPr>
+          <p:cNvPr id="7" name="矩形 6"/>
+          <p:cNvSpPr/>
+          <p:nvPr/>
+        </p:nvSpPr>
+        <p:spPr>
+          <a:xfrm>
+            <a:off x="2364105" y="4527550"/>
+            <a:ext cx="3464560" cy="1831975"/>
+          </a:xfrm>
+          <a:prstGeom prst="rect">
+            <a:avLst/>
+          </a:prstGeom>
+          <a:effectLst>
+            <a:outerShdw blurRad="50800" dist="381000" dir="12600000" algn="ctr" rotWithShape="0">
+              <a:srgbClr val="990000">
+                <a:alpha val="100000"/>
+              </a:srgbClr>
+            </a:outerShdw>
+          </a:effectLst>
+        </p:spPr>
+        <p:style>
+          <a:lnRef idx="2">
+            <a:schemeClr val="accent1">
+              <a:shade val="50000"/>
+            </a:schemeClr>
+          </a:lnRef>
+          <a:fillRef idx="1">
+            <a:schemeClr val="accent1"/>
+          </a:fillRef>
+          <a:effectRef idx="0">
+            <a:schemeClr val="accent1"/>
+          </a:effectRef>
+          <a:fontRef idx="minor">
+            <a:schemeClr val="lt1"/>
+          </a:fontRef>
+        </p:style>
+        <p:txBody>
+          <a:bodyPr rtlCol="0" anchor="ctr"/>
+          <a:p>
+            <a:pPr algn="ctr"/>
+            <a:endParaRPr lang="zh-CN" altLang="en-US"/>
+          </a:p>
+        </p:txBody>
+      </p:sp>
+    </p:spTree>
+  </p:cSld>
+  <p:clrMapOvr>
+    <a:masterClrMapping/>
+  </p:clrMapOvr>
+</p:sld>
+</file>
+
+<file path=ppt/slides/slide4.xml><?xml version="1.0" encoding="utf-8"?>
+<p:sld xmlns:a="http://schemas.openxmlformats.org/drawingml/2006/main" xmlns:r="http://schemas.openxmlformats.org/officeDocument/2006/relationships" xmlns:p="http://schemas.openxmlformats.org/presentationml/2006/main">
+  <p:cSld>
+    <p:spTree>
+      <p:nvGrpSpPr>
+        <p:cNvPr id="1" name=""/>
+        <p:cNvGrpSpPr/>
+        <p:nvPr/>
+      </p:nvGrpSpPr>
+      <p:grpSpPr/>
+      <p:sp>
+        <p:nvSpPr>
+          <p:cNvPr id="5" name="剪去同侧角的矩形 4"/>
+          <p:cNvSpPr/>
+          <p:nvPr/>
+        </p:nvSpPr>
+        <p:spPr>
+          <a:xfrm>
+            <a:off x="0" y="0"/>
+            <a:ext cx="2139950" cy="1715135"/>
+          </a:xfrm>
+          <a:prstGeom prst="snip2SameRect">
+            <a:avLst/>
+          </a:prstGeom>
+        </p:spPr>
+        <p:style>
+          <a:lnRef idx="2">
+            <a:schemeClr val="accent1">
+              <a:shade val="50000"/>
+            </a:schemeClr>
+          </a:lnRef>
+          <a:fillRef idx="1">
+            <a:schemeClr val="accent1"/>
+          </a:fillRef>
+          <a:effectRef idx="0">
+            <a:schemeClr val="accent1"/>
+          </a:effectRef>
+          <a:fontRef idx="minor">
+            <a:schemeClr val="lt1"/>
+          </a:fontRef>
+        </p:style>
+        <p:txBody>
+          <a:bodyPr rtlCol="0" anchor="ctr"/>
+          <a:p>
+            <a:pPr algn="ctr"/>
+            <a:endParaRPr lang="zh-CN" altLang="en-US"/>
+          </a:p>
+        </p:txBody>
+      </p:sp>
+      <p:sp>
+        <p:nvSpPr>
+          <p:cNvPr id="6" name="剪去对角的矩形 5"/>
+          <p:cNvSpPr/>
+          <p:nvPr/>
+        </p:nvSpPr>
+        <p:spPr>
+          <a:xfrm>
+            <a:off x="2799715" y="0"/>
+            <a:ext cx="1630680" cy="1715135"/>
+          </a:xfrm>
+          <a:prstGeom prst="snip2DiagRect">
+            <a:avLst/>
+          </a:prstGeom>
+        </p:spPr>
+        <p:style>
+          <a:lnRef idx="2">
+            <a:schemeClr val="accent1">
+              <a:shade val="50000"/>
+            </a:schemeClr>
+          </a:lnRef>
+          <a:fillRef idx="1">
+            <a:schemeClr val="accent1"/>
+          </a:fillRef>
+          <a:effectRef idx="0">
+            <a:schemeClr val="accent1"/>
+          </a:effectRef>
+          <a:fontRef idx="minor">
+            <a:schemeClr val="lt1"/>
+          </a:fontRef>
+        </p:style>
+        <p:txBody>
+          <a:bodyPr rtlCol="0" anchor="ctr"/>
+          <a:p>
+            <a:pPr algn="ctr"/>
+            <a:endParaRPr lang="zh-CN" altLang="en-US"/>
+          </a:p>
+        </p:txBody>
+      </p:sp>
+      <p:sp>
+        <p:nvSpPr>
+          <p:cNvPr id="7" name="单圆角矩形 6"/>
+          <p:cNvSpPr/>
+          <p:nvPr/>
+        </p:nvSpPr>
+        <p:spPr>
+          <a:xfrm>
+            <a:off x="5482590" y="12065"/>
+            <a:ext cx="2258695" cy="1833880"/>
+          </a:xfrm>
+          <a:prstGeom prst="snipRoundRect">
+            <a:avLst/>
+          </a:prstGeom>
+        </p:spPr>
+        <p:style>
+          <a:lnRef idx="2">
+            <a:schemeClr val="accent1">
+              <a:shade val="50000"/>
+            </a:schemeClr>
+          </a:lnRef>
+          <a:fillRef idx="1">
+            <a:schemeClr val="accent1"/>
+          </a:fillRef>
+          <a:effectRef idx="0">
+            <a:schemeClr val="accent1"/>
+          </a:effectRef>
+          <a:fontRef idx="minor">
+            <a:schemeClr val="lt1"/>
+          </a:fontRef>
+        </p:style>
+        <p:txBody>
+          <a:bodyPr rtlCol="0" anchor="ctr"/>
+          <a:p>
+            <a:pPr algn="ctr"/>
+            <a:endParaRPr lang="zh-CN" altLang="en-US"/>
+          </a:p>
+        </p:txBody>
+      </p:sp>
+      <p:sp>
+        <p:nvSpPr>
+          <p:cNvPr id="8" name="单圆角矩形 7"/>
+          <p:cNvSpPr/>
+          <p:nvPr/>
+        </p:nvSpPr>
+        <p:spPr>
+          <a:xfrm>
+            <a:off x="8878570" y="-20955"/>
+            <a:ext cx="2564130" cy="2105025"/>
+          </a:xfrm>
+          <a:prstGeom prst="round1Rect">
+            <a:avLst/>
+          </a:prstGeom>
+        </p:spPr>
+        <p:style>
+          <a:lnRef idx="2">
+            <a:schemeClr val="accent1">
+              <a:shade val="50000"/>
+            </a:schemeClr>
+          </a:lnRef>
+          <a:fillRef idx="1">
+            <a:schemeClr val="accent1"/>
+          </a:fillRef>
+          <a:effectRef idx="0">
+            <a:schemeClr val="accent1"/>
+          </a:effectRef>
+          <a:fontRef idx="minor">
+            <a:schemeClr val="lt1"/>
+          </a:fontRef>
+        </p:style>
+        <p:txBody>
+          <a:bodyPr rtlCol="0" anchor="ctr"/>
+          <a:p>
+            <a:pPr algn="ctr"/>
+            <a:endParaRPr lang="zh-CN" altLang="en-US"/>
+          </a:p>
+        </p:txBody>
+      </p:sp>
+      <p:sp>
+        <p:nvSpPr>
+          <p:cNvPr id="9" name="同侧圆角矩形 8"/>
+          <p:cNvSpPr/>
+          <p:nvPr/>
+        </p:nvSpPr>
+        <p:spPr>
+          <a:xfrm>
+            <a:off x="201930" y="2209165"/>
+            <a:ext cx="2546985" cy="2037080"/>
+          </a:xfrm>
+          <a:prstGeom prst="round2SameRect">
+            <a:avLst/>
+          </a:prstGeom>
+        </p:spPr>
+        <p:style>
+          <a:lnRef idx="2">
+            <a:schemeClr val="accent1">
+              <a:shade val="50000"/>
+            </a:schemeClr>
+          </a:lnRef>
+          <a:fillRef idx="1">
+            <a:schemeClr val="accent1"/>
+          </a:fillRef>
+          <a:effectRef idx="0">
+            <a:schemeClr val="accent1"/>
+          </a:effectRef>
+          <a:fontRef idx="minor">
+            <a:schemeClr val="lt1"/>
+          </a:fontRef>
+        </p:style>
+        <p:txBody>
+          <a:bodyPr rtlCol="0" anchor="ctr"/>
+          <a:p>
+            <a:pPr algn="ctr"/>
+            <a:endParaRPr lang="zh-CN" altLang="en-US"/>
+          </a:p>
+        </p:txBody>
+      </p:sp>
+      <p:sp>
+        <p:nvSpPr>
+          <p:cNvPr id="10" name="对角圆角矩形 9"/>
+          <p:cNvSpPr/>
+          <p:nvPr/>
+        </p:nvSpPr>
+        <p:spPr>
+          <a:xfrm>
+            <a:off x="3937635" y="2157730"/>
+            <a:ext cx="2207260" cy="2020570"/>
+          </a:xfrm>
+          <a:prstGeom prst="round2DiagRect">
+            <a:avLst/>
+          </a:prstGeom>
         </p:spPr>
         <p:style>
           <a:lnRef idx="2">

--- a/ppt/shape.pptx
+++ b/ppt/shape.pptx
@@ -8,13 +8,14 @@
     <p:notesMasterId r:id="rId4"/>
   </p:notesMasterIdLst>
   <p:handoutMasterIdLst>
-    <p:handoutMasterId r:id="rId8"/>
+    <p:handoutMasterId r:id="rId9"/>
   </p:handoutMasterIdLst>
   <p:sldIdLst>
     <p:sldId id="256" r:id="rId3"/>
     <p:sldId id="257" r:id="rId5"/>
     <p:sldId id="258" r:id="rId6"/>
     <p:sldId id="259" r:id="rId7"/>
+    <p:sldId id="260" r:id="rId8"/>
   </p:sldIdLst>
   <p:sldSz cx="12192000" cy="6858000"/>
   <p:notesSz cx="7103745" cy="10234295"/>
@@ -4183,6 +4184,902 @@
           <a:p>
             <a:pPr algn="ctr"/>
             <a:endParaRPr lang="zh-CN" altLang="en-US"/>
+          </a:p>
+        </p:txBody>
+      </p:sp>
+      <p:sp>
+        <p:nvSpPr>
+          <p:cNvPr id="11" name="椭圆 10"/>
+          <p:cNvSpPr/>
+          <p:nvPr/>
+        </p:nvSpPr>
+        <p:spPr>
+          <a:xfrm>
+            <a:off x="6772910" y="2735580"/>
+            <a:ext cx="2072005" cy="1358265"/>
+          </a:xfrm>
+          <a:prstGeom prst="ellipse">
+            <a:avLst/>
+          </a:prstGeom>
+        </p:spPr>
+        <p:style>
+          <a:lnRef idx="2">
+            <a:schemeClr val="accent1">
+              <a:shade val="50000"/>
+            </a:schemeClr>
+          </a:lnRef>
+          <a:fillRef idx="1">
+            <a:schemeClr val="accent1"/>
+          </a:fillRef>
+          <a:effectRef idx="0">
+            <a:schemeClr val="accent1"/>
+          </a:effectRef>
+          <a:fontRef idx="minor">
+            <a:schemeClr val="lt1"/>
+          </a:fontRef>
+        </p:style>
+        <p:txBody>
+          <a:bodyPr rtlCol="0" anchor="ctr"/>
+          <a:p>
+            <a:pPr algn="ctr"/>
+            <a:endParaRPr lang="zh-CN" altLang="en-US"/>
+          </a:p>
+        </p:txBody>
+      </p:sp>
+      <p:sp>
+        <p:nvSpPr>
+          <p:cNvPr id="12" name="等腰三角形 11"/>
+          <p:cNvSpPr/>
+          <p:nvPr/>
+        </p:nvSpPr>
+        <p:spPr>
+          <a:xfrm>
+            <a:off x="9711055" y="2616200"/>
+            <a:ext cx="1935480" cy="1188720"/>
+          </a:xfrm>
+          <a:prstGeom prst="triangle">
+            <a:avLst/>
+          </a:prstGeom>
+        </p:spPr>
+        <p:style>
+          <a:lnRef idx="2">
+            <a:schemeClr val="accent1">
+              <a:shade val="50000"/>
+            </a:schemeClr>
+          </a:lnRef>
+          <a:fillRef idx="1">
+            <a:schemeClr val="accent1"/>
+          </a:fillRef>
+          <a:effectRef idx="0">
+            <a:schemeClr val="accent1"/>
+          </a:effectRef>
+          <a:fontRef idx="minor">
+            <a:schemeClr val="lt1"/>
+          </a:fontRef>
+        </p:style>
+        <p:txBody>
+          <a:bodyPr rtlCol="0" anchor="ctr"/>
+          <a:p>
+            <a:pPr algn="ctr"/>
+            <a:endParaRPr lang="zh-CN" altLang="en-US"/>
+          </a:p>
+        </p:txBody>
+      </p:sp>
+      <p:sp>
+        <p:nvSpPr>
+          <p:cNvPr id="13" name="直角三角形 12"/>
+          <p:cNvSpPr/>
+          <p:nvPr/>
+        </p:nvSpPr>
+        <p:spPr>
+          <a:xfrm>
+            <a:off x="405765" y="4874895"/>
+            <a:ext cx="2648585" cy="1901825"/>
+          </a:xfrm>
+          <a:prstGeom prst="rtTriangle">
+            <a:avLst/>
+          </a:prstGeom>
+        </p:spPr>
+        <p:style>
+          <a:lnRef idx="2">
+            <a:schemeClr val="accent1">
+              <a:shade val="50000"/>
+            </a:schemeClr>
+          </a:lnRef>
+          <a:fillRef idx="1">
+            <a:schemeClr val="accent1"/>
+          </a:fillRef>
+          <a:effectRef idx="0">
+            <a:schemeClr val="accent1"/>
+          </a:effectRef>
+          <a:fontRef idx="minor">
+            <a:schemeClr val="lt1"/>
+          </a:fontRef>
+        </p:style>
+        <p:txBody>
+          <a:bodyPr rtlCol="0" anchor="ctr"/>
+          <a:p>
+            <a:pPr algn="ctr"/>
+            <a:endParaRPr lang="zh-CN" altLang="en-US"/>
+          </a:p>
+        </p:txBody>
+      </p:sp>
+      <p:sp>
+        <p:nvSpPr>
+          <p:cNvPr id="14" name="平行四边形 13"/>
+          <p:cNvSpPr/>
+          <p:nvPr/>
+        </p:nvSpPr>
+        <p:spPr>
+          <a:xfrm>
+            <a:off x="4073525" y="4908550"/>
+            <a:ext cx="2240915" cy="1511300"/>
+          </a:xfrm>
+          <a:prstGeom prst="parallelogram">
+            <a:avLst/>
+          </a:prstGeom>
+        </p:spPr>
+        <p:style>
+          <a:lnRef idx="2">
+            <a:schemeClr val="accent1">
+              <a:shade val="50000"/>
+            </a:schemeClr>
+          </a:lnRef>
+          <a:fillRef idx="1">
+            <a:schemeClr val="accent1"/>
+          </a:fillRef>
+          <a:effectRef idx="0">
+            <a:schemeClr val="accent1"/>
+          </a:effectRef>
+          <a:fontRef idx="minor">
+            <a:schemeClr val="lt1"/>
+          </a:fontRef>
+        </p:style>
+        <p:txBody>
+          <a:bodyPr rtlCol="0" anchor="ctr"/>
+          <a:p>
+            <a:pPr algn="ctr"/>
+            <a:endParaRPr lang="zh-CN" altLang="en-US"/>
+          </a:p>
+        </p:txBody>
+      </p:sp>
+      <p:sp>
+        <p:nvSpPr>
+          <p:cNvPr id="15" name="梯形 14"/>
+          <p:cNvSpPr/>
+          <p:nvPr/>
+        </p:nvSpPr>
+        <p:spPr>
+          <a:xfrm>
+            <a:off x="7197725" y="4993640"/>
+            <a:ext cx="2037715" cy="1680845"/>
+          </a:xfrm>
+          <a:prstGeom prst="trapezoid">
+            <a:avLst/>
+          </a:prstGeom>
+        </p:spPr>
+        <p:style>
+          <a:lnRef idx="2">
+            <a:schemeClr val="accent1">
+              <a:shade val="50000"/>
+            </a:schemeClr>
+          </a:lnRef>
+          <a:fillRef idx="1">
+            <a:schemeClr val="accent1"/>
+          </a:fillRef>
+          <a:effectRef idx="0">
+            <a:schemeClr val="accent1"/>
+          </a:effectRef>
+          <a:fontRef idx="minor">
+            <a:schemeClr val="lt1"/>
+          </a:fontRef>
+        </p:style>
+        <p:txBody>
+          <a:bodyPr rtlCol="0" anchor="ctr"/>
+          <a:p>
+            <a:pPr algn="ctr"/>
+            <a:endParaRPr lang="zh-CN" altLang="en-US"/>
+          </a:p>
+        </p:txBody>
+      </p:sp>
+      <p:sp>
+        <p:nvSpPr>
+          <p:cNvPr id="16" name="菱形 15"/>
+          <p:cNvSpPr/>
+          <p:nvPr/>
+        </p:nvSpPr>
+        <p:spPr>
+          <a:xfrm>
+            <a:off x="9711055" y="4712970"/>
+            <a:ext cx="1867535" cy="1901825"/>
+          </a:xfrm>
+          <a:prstGeom prst="diamond">
+            <a:avLst/>
+          </a:prstGeom>
+        </p:spPr>
+        <p:style>
+          <a:lnRef idx="2">
+            <a:schemeClr val="accent1">
+              <a:shade val="50000"/>
+            </a:schemeClr>
+          </a:lnRef>
+          <a:fillRef idx="1">
+            <a:schemeClr val="accent1"/>
+          </a:fillRef>
+          <a:effectRef idx="0">
+            <a:schemeClr val="accent1"/>
+          </a:effectRef>
+          <a:fontRef idx="minor">
+            <a:schemeClr val="lt1"/>
+          </a:fontRef>
+        </p:style>
+        <p:txBody>
+          <a:bodyPr rtlCol="0" anchor="ctr"/>
+          <a:p>
+            <a:pPr algn="ctr"/>
+            <a:endParaRPr lang="zh-CN" altLang="en-US"/>
+          </a:p>
+        </p:txBody>
+      </p:sp>
+    </p:spTree>
+  </p:cSld>
+  <p:clrMapOvr>
+    <a:masterClrMapping/>
+  </p:clrMapOvr>
+</p:sld>
+</file>
+
+<file path=ppt/slides/slide5.xml><?xml version="1.0" encoding="utf-8"?>
+<p:sld xmlns:a="http://schemas.openxmlformats.org/drawingml/2006/main" xmlns:r="http://schemas.openxmlformats.org/officeDocument/2006/relationships" xmlns:p="http://schemas.openxmlformats.org/presentationml/2006/main">
+  <p:cSld>
+    <p:spTree>
+      <p:nvGrpSpPr>
+        <p:cNvPr id="1" name=""/>
+        <p:cNvGrpSpPr/>
+        <p:nvPr/>
+      </p:nvGrpSpPr>
+      <p:grpSpPr/>
+      <p:sp>
+        <p:nvSpPr>
+          <p:cNvPr id="4" name="正五边形 3"/>
+          <p:cNvSpPr/>
+          <p:nvPr/>
+        </p:nvSpPr>
+        <p:spPr>
+          <a:xfrm>
+            <a:off x="440690" y="287020"/>
+            <a:ext cx="1647190" cy="1375410"/>
+          </a:xfrm>
+          <a:prstGeom prst="pentagon">
+            <a:avLst/>
+          </a:prstGeom>
+        </p:spPr>
+        <p:style>
+          <a:lnRef idx="2">
+            <a:schemeClr val="accent1">
+              <a:shade val="50000"/>
+            </a:schemeClr>
+          </a:lnRef>
+          <a:fillRef idx="1">
+            <a:schemeClr val="accent1"/>
+          </a:fillRef>
+          <a:effectRef idx="0">
+            <a:schemeClr val="accent1"/>
+          </a:effectRef>
+          <a:fontRef idx="minor">
+            <a:schemeClr val="lt1"/>
+          </a:fontRef>
+        </p:style>
+        <p:txBody>
+          <a:bodyPr rtlCol="0" anchor="ctr"/>
+          <a:p>
+            <a:pPr algn="ctr"/>
+            <a:endParaRPr lang="zh-CN" altLang="en-US"/>
+          </a:p>
+        </p:txBody>
+      </p:sp>
+      <p:sp>
+        <p:nvSpPr>
+          <p:cNvPr id="5" name="六边形 4"/>
+          <p:cNvSpPr/>
+          <p:nvPr/>
+        </p:nvSpPr>
+        <p:spPr>
+          <a:xfrm>
+            <a:off x="2597150" y="287020"/>
+            <a:ext cx="1901825" cy="1443355"/>
+          </a:xfrm>
+          <a:prstGeom prst="hexagon">
+            <a:avLst/>
+          </a:prstGeom>
+        </p:spPr>
+        <p:style>
+          <a:lnRef idx="2">
+            <a:schemeClr val="accent1">
+              <a:shade val="50000"/>
+            </a:schemeClr>
+          </a:lnRef>
+          <a:fillRef idx="1">
+            <a:schemeClr val="accent1"/>
+          </a:fillRef>
+          <a:effectRef idx="0">
+            <a:schemeClr val="accent1"/>
+          </a:effectRef>
+          <a:fontRef idx="minor">
+            <a:schemeClr val="lt1"/>
+          </a:fontRef>
+        </p:style>
+        <p:txBody>
+          <a:bodyPr rtlCol="0" anchor="ctr"/>
+          <a:p>
+            <a:pPr algn="ctr"/>
+            <a:endParaRPr lang="zh-CN" altLang="en-US"/>
+          </a:p>
+        </p:txBody>
+      </p:sp>
+      <p:sp>
+        <p:nvSpPr>
+          <p:cNvPr id="6" name="七边形 5"/>
+          <p:cNvSpPr/>
+          <p:nvPr/>
+        </p:nvSpPr>
+        <p:spPr>
+          <a:xfrm>
+            <a:off x="5161280" y="270510"/>
+            <a:ext cx="1426845" cy="1459865"/>
+          </a:xfrm>
+          <a:prstGeom prst="heptagon">
+            <a:avLst/>
+          </a:prstGeom>
+        </p:spPr>
+        <p:style>
+          <a:lnRef idx="2">
+            <a:schemeClr val="accent1">
+              <a:shade val="50000"/>
+            </a:schemeClr>
+          </a:lnRef>
+          <a:fillRef idx="1">
+            <a:schemeClr val="accent1"/>
+          </a:fillRef>
+          <a:effectRef idx="0">
+            <a:schemeClr val="accent1"/>
+          </a:effectRef>
+          <a:fontRef idx="minor">
+            <a:schemeClr val="lt1"/>
+          </a:fontRef>
+        </p:style>
+        <p:txBody>
+          <a:bodyPr rtlCol="0" anchor="ctr"/>
+          <a:p>
+            <a:pPr algn="ctr"/>
+            <a:endParaRPr lang="zh-CN" altLang="en-US"/>
+          </a:p>
+        </p:txBody>
+      </p:sp>
+      <p:sp>
+        <p:nvSpPr>
+          <p:cNvPr id="7" name="八边形 6"/>
+          <p:cNvSpPr/>
+          <p:nvPr/>
+        </p:nvSpPr>
+        <p:spPr>
+          <a:xfrm>
+            <a:off x="7114540" y="236220"/>
+            <a:ext cx="1477645" cy="1528445"/>
+          </a:xfrm>
+          <a:prstGeom prst="octagon">
+            <a:avLst/>
+          </a:prstGeom>
+        </p:spPr>
+        <p:style>
+          <a:lnRef idx="2">
+            <a:schemeClr val="accent1">
+              <a:shade val="50000"/>
+            </a:schemeClr>
+          </a:lnRef>
+          <a:fillRef idx="1">
+            <a:schemeClr val="accent1"/>
+          </a:fillRef>
+          <a:effectRef idx="0">
+            <a:schemeClr val="accent1"/>
+          </a:effectRef>
+          <a:fontRef idx="minor">
+            <a:schemeClr val="lt1"/>
+          </a:fontRef>
+        </p:style>
+        <p:txBody>
+          <a:bodyPr rtlCol="0" anchor="ctr"/>
+          <a:p>
+            <a:pPr algn="ctr"/>
+            <a:endParaRPr lang="zh-CN" altLang="en-US"/>
+          </a:p>
+        </p:txBody>
+      </p:sp>
+      <p:sp>
+        <p:nvSpPr>
+          <p:cNvPr id="8" name="十边形 7"/>
+          <p:cNvSpPr/>
+          <p:nvPr/>
+        </p:nvSpPr>
+        <p:spPr>
+          <a:xfrm>
+            <a:off x="9287510" y="270510"/>
+            <a:ext cx="2003425" cy="1579245"/>
+          </a:xfrm>
+          <a:prstGeom prst="decagon">
+            <a:avLst/>
+          </a:prstGeom>
+        </p:spPr>
+        <p:style>
+          <a:lnRef idx="2">
+            <a:schemeClr val="accent1">
+              <a:shade val="50000"/>
+            </a:schemeClr>
+          </a:lnRef>
+          <a:fillRef idx="1">
+            <a:schemeClr val="accent1"/>
+          </a:fillRef>
+          <a:effectRef idx="0">
+            <a:schemeClr val="accent1"/>
+          </a:effectRef>
+          <a:fontRef idx="minor">
+            <a:schemeClr val="lt1"/>
+          </a:fontRef>
+        </p:style>
+        <p:txBody>
+          <a:bodyPr rtlCol="0" anchor="ctr"/>
+          <a:p>
+            <a:pPr algn="ctr"/>
+            <a:endParaRPr lang="zh-CN" altLang="en-US"/>
+          </a:p>
+        </p:txBody>
+      </p:sp>
+      <p:sp>
+        <p:nvSpPr>
+          <p:cNvPr id="9" name="十二边形 8"/>
+          <p:cNvSpPr/>
+          <p:nvPr/>
+        </p:nvSpPr>
+        <p:spPr>
+          <a:xfrm>
+            <a:off x="160655" y="2512060"/>
+            <a:ext cx="2207260" cy="1833880"/>
+          </a:xfrm>
+          <a:prstGeom prst="dodecagon">
+            <a:avLst/>
+          </a:prstGeom>
+        </p:spPr>
+        <p:style>
+          <a:lnRef idx="2">
+            <a:schemeClr val="accent1">
+              <a:shade val="50000"/>
+            </a:schemeClr>
+          </a:lnRef>
+          <a:fillRef idx="1">
+            <a:schemeClr val="accent1"/>
+          </a:fillRef>
+          <a:effectRef idx="0">
+            <a:schemeClr val="accent1"/>
+          </a:effectRef>
+          <a:fontRef idx="minor">
+            <a:schemeClr val="lt1"/>
+          </a:fontRef>
+        </p:style>
+        <p:txBody>
+          <a:bodyPr rtlCol="0" anchor="ctr"/>
+          <a:p>
+            <a:pPr algn="ctr"/>
+            <a:endParaRPr lang="zh-CN" altLang="en-US"/>
+          </a:p>
+        </p:txBody>
+      </p:sp>
+      <p:sp>
+        <p:nvSpPr>
+          <p:cNvPr id="10" name="饼形 9"/>
+          <p:cNvSpPr/>
+          <p:nvPr/>
+        </p:nvSpPr>
+        <p:spPr>
+          <a:xfrm>
+            <a:off x="3072765" y="2291080"/>
+            <a:ext cx="1851025" cy="2054860"/>
+          </a:xfrm>
+          <a:prstGeom prst="pie">
+            <a:avLst/>
+          </a:prstGeom>
+        </p:spPr>
+        <p:style>
+          <a:lnRef idx="2">
+            <a:schemeClr val="accent1">
+              <a:shade val="50000"/>
+            </a:schemeClr>
+          </a:lnRef>
+          <a:fillRef idx="1">
+            <a:schemeClr val="accent1"/>
+          </a:fillRef>
+          <a:effectRef idx="0">
+            <a:schemeClr val="accent1"/>
+          </a:effectRef>
+          <a:fontRef idx="minor">
+            <a:schemeClr val="lt1"/>
+          </a:fontRef>
+        </p:style>
+        <p:txBody>
+          <a:bodyPr rtlCol="0" anchor="ctr"/>
+          <a:p>
+            <a:pPr algn="ctr"/>
+            <a:endParaRPr lang="zh-CN" altLang="en-US">
+              <a:solidFill>
+                <a:schemeClr val="tx1"/>
+              </a:solidFill>
+            </a:endParaRPr>
+          </a:p>
+        </p:txBody>
+      </p:sp>
+      <p:sp>
+        <p:nvSpPr>
+          <p:cNvPr id="12" name="弦形 11"/>
+          <p:cNvSpPr/>
+          <p:nvPr/>
+        </p:nvSpPr>
+        <p:spPr>
+          <a:xfrm>
+            <a:off x="5281295" y="2402205"/>
+            <a:ext cx="2207260" cy="1833245"/>
+          </a:xfrm>
+          <a:prstGeom prst="chord">
+            <a:avLst/>
+          </a:prstGeom>
+        </p:spPr>
+        <p:style>
+          <a:lnRef idx="2">
+            <a:schemeClr val="accent1">
+              <a:shade val="50000"/>
+            </a:schemeClr>
+          </a:lnRef>
+          <a:fillRef idx="1">
+            <a:schemeClr val="accent1"/>
+          </a:fillRef>
+          <a:effectRef idx="0">
+            <a:schemeClr val="accent1"/>
+          </a:effectRef>
+          <a:fontRef idx="minor">
+            <a:schemeClr val="lt1"/>
+          </a:fontRef>
+        </p:style>
+        <p:txBody>
+          <a:bodyPr rtlCol="0" anchor="ctr"/>
+          <a:p>
+            <a:pPr algn="ctr"/>
+            <a:endParaRPr lang="zh-CN" altLang="en-US"/>
+          </a:p>
+        </p:txBody>
+      </p:sp>
+      <p:sp>
+        <p:nvSpPr>
+          <p:cNvPr id="13" name="泪滴形 12"/>
+          <p:cNvSpPr/>
+          <p:nvPr/>
+        </p:nvSpPr>
+        <p:spPr>
+          <a:xfrm>
+            <a:off x="7385685" y="2265680"/>
+            <a:ext cx="1901825" cy="1969770"/>
+          </a:xfrm>
+          <a:prstGeom prst="teardrop">
+            <a:avLst/>
+          </a:prstGeom>
+        </p:spPr>
+        <p:style>
+          <a:lnRef idx="2">
+            <a:schemeClr val="accent1">
+              <a:shade val="50000"/>
+            </a:schemeClr>
+          </a:lnRef>
+          <a:fillRef idx="1">
+            <a:schemeClr val="accent1"/>
+          </a:fillRef>
+          <a:effectRef idx="0">
+            <a:schemeClr val="accent1"/>
+          </a:effectRef>
+          <a:fontRef idx="minor">
+            <a:schemeClr val="lt1"/>
+          </a:fontRef>
+        </p:style>
+        <p:txBody>
+          <a:bodyPr rtlCol="0" anchor="ctr"/>
+          <a:p>
+            <a:pPr algn="ctr"/>
+            <a:endParaRPr lang="zh-CN" altLang="en-US"/>
+          </a:p>
+        </p:txBody>
+      </p:sp>
+      <p:sp>
+        <p:nvSpPr>
+          <p:cNvPr id="14" name="图文框 13"/>
+          <p:cNvSpPr/>
+          <p:nvPr/>
+        </p:nvSpPr>
+        <p:spPr>
+          <a:xfrm>
+            <a:off x="9899015" y="2527935"/>
+            <a:ext cx="1527810" cy="1528445"/>
+          </a:xfrm>
+          <a:prstGeom prst="frame">
+            <a:avLst/>
+          </a:prstGeom>
+        </p:spPr>
+        <p:style>
+          <a:lnRef idx="2">
+            <a:schemeClr val="accent1">
+              <a:shade val="50000"/>
+            </a:schemeClr>
+          </a:lnRef>
+          <a:fillRef idx="1">
+            <a:schemeClr val="accent1"/>
+          </a:fillRef>
+          <a:effectRef idx="0">
+            <a:schemeClr val="accent1"/>
+          </a:effectRef>
+          <a:fontRef idx="minor">
+            <a:schemeClr val="lt1"/>
+          </a:fontRef>
+        </p:style>
+        <p:txBody>
+          <a:bodyPr rtlCol="0" anchor="ctr"/>
+          <a:p>
+            <a:pPr algn="ctr"/>
+            <a:endParaRPr lang="zh-CN" altLang="en-US">
+              <a:solidFill>
+                <a:schemeClr val="tx1"/>
+              </a:solidFill>
+            </a:endParaRPr>
+          </a:p>
+        </p:txBody>
+      </p:sp>
+      <p:sp>
+        <p:nvSpPr>
+          <p:cNvPr id="15" name="半闭框 14"/>
+          <p:cNvSpPr/>
+          <p:nvPr/>
+        </p:nvSpPr>
+        <p:spPr>
+          <a:xfrm>
+            <a:off x="389890" y="4718685"/>
+            <a:ext cx="2445385" cy="2071370"/>
+          </a:xfrm>
+          <a:prstGeom prst="halfFrame">
+            <a:avLst/>
+          </a:prstGeom>
+        </p:spPr>
+        <p:style>
+          <a:lnRef idx="2">
+            <a:schemeClr val="accent1">
+              <a:shade val="50000"/>
+            </a:schemeClr>
+          </a:lnRef>
+          <a:fillRef idx="1">
+            <a:schemeClr val="accent1"/>
+          </a:fillRef>
+          <a:effectRef idx="0">
+            <a:schemeClr val="accent1"/>
+          </a:effectRef>
+          <a:fontRef idx="minor">
+            <a:schemeClr val="lt1"/>
+          </a:fontRef>
+        </p:style>
+        <p:txBody>
+          <a:bodyPr rtlCol="0" anchor="ctr"/>
+          <a:p>
+            <a:pPr algn="ctr"/>
+            <a:endParaRPr lang="zh-CN" altLang="en-US">
+              <a:solidFill>
+                <a:schemeClr val="tx1"/>
+              </a:solidFill>
+            </a:endParaRPr>
+          </a:p>
+        </p:txBody>
+      </p:sp>
+      <p:sp>
+        <p:nvSpPr>
+          <p:cNvPr id="16" name="L 形 15"/>
+          <p:cNvSpPr/>
+          <p:nvPr/>
+        </p:nvSpPr>
+        <p:spPr>
+          <a:xfrm>
+            <a:off x="3191510" y="4871720"/>
+            <a:ext cx="2275205" cy="1782445"/>
+          </a:xfrm>
+          <a:prstGeom prst="corner">
+            <a:avLst/>
+          </a:prstGeom>
+        </p:spPr>
+        <p:style>
+          <a:lnRef idx="2">
+            <a:schemeClr val="accent1">
+              <a:shade val="50000"/>
+            </a:schemeClr>
+          </a:lnRef>
+          <a:fillRef idx="1">
+            <a:schemeClr val="accent1"/>
+          </a:fillRef>
+          <a:effectRef idx="0">
+            <a:schemeClr val="accent1"/>
+          </a:effectRef>
+          <a:fontRef idx="minor">
+            <a:schemeClr val="lt1"/>
+          </a:fontRef>
+        </p:style>
+        <p:txBody>
+          <a:bodyPr rtlCol="0" anchor="ctr"/>
+          <a:p>
+            <a:pPr algn="ctr"/>
+            <a:endParaRPr lang="zh-CN" altLang="en-US"/>
+          </a:p>
+        </p:txBody>
+      </p:sp>
+      <p:sp>
+        <p:nvSpPr>
+          <p:cNvPr id="17" name="斜纹 16"/>
+          <p:cNvSpPr/>
+          <p:nvPr/>
+        </p:nvSpPr>
+        <p:spPr>
+          <a:xfrm>
+            <a:off x="5857240" y="5194300"/>
+            <a:ext cx="1765935" cy="1527810"/>
+          </a:xfrm>
+          <a:prstGeom prst="diagStripe">
+            <a:avLst/>
+          </a:prstGeom>
+        </p:spPr>
+        <p:style>
+          <a:lnRef idx="2">
+            <a:schemeClr val="accent1">
+              <a:shade val="50000"/>
+            </a:schemeClr>
+          </a:lnRef>
+          <a:fillRef idx="1">
+            <a:schemeClr val="accent1"/>
+          </a:fillRef>
+          <a:effectRef idx="0">
+            <a:schemeClr val="accent1"/>
+          </a:effectRef>
+          <a:fontRef idx="minor">
+            <a:schemeClr val="lt1"/>
+          </a:fontRef>
+        </p:style>
+        <p:txBody>
+          <a:bodyPr rtlCol="0" anchor="ctr"/>
+          <a:p>
+            <a:pPr algn="ctr"/>
+            <a:endParaRPr lang="zh-CN" altLang="en-US">
+              <a:solidFill>
+                <a:schemeClr val="tx1"/>
+              </a:solidFill>
+            </a:endParaRPr>
+          </a:p>
+        </p:txBody>
+      </p:sp>
+      <p:sp>
+        <p:nvSpPr>
+          <p:cNvPr id="18" name="十字形 17"/>
+          <p:cNvSpPr/>
+          <p:nvPr/>
+        </p:nvSpPr>
+        <p:spPr>
+          <a:xfrm>
+            <a:off x="7878445" y="5058410"/>
+            <a:ext cx="1646555" cy="1375410"/>
+          </a:xfrm>
+          <a:prstGeom prst="plus">
+            <a:avLst/>
+          </a:prstGeom>
+        </p:spPr>
+        <p:style>
+          <a:lnRef idx="2">
+            <a:schemeClr val="accent1">
+              <a:shade val="50000"/>
+            </a:schemeClr>
+          </a:lnRef>
+          <a:fillRef idx="1">
+            <a:schemeClr val="accent1"/>
+          </a:fillRef>
+          <a:effectRef idx="0">
+            <a:schemeClr val="accent1"/>
+          </a:effectRef>
+          <a:fontRef idx="minor">
+            <a:schemeClr val="lt1"/>
+          </a:fontRef>
+        </p:style>
+        <p:txBody>
+          <a:bodyPr rtlCol="0" anchor="ctr"/>
+          <a:p>
+            <a:pPr algn="ctr"/>
+            <a:endParaRPr lang="zh-CN" altLang="en-US"/>
+          </a:p>
+        </p:txBody>
+      </p:sp>
+      <p:sp>
+        <p:nvSpPr>
+          <p:cNvPr id="19" name="缺角矩形 18"/>
+          <p:cNvSpPr/>
+          <p:nvPr/>
+        </p:nvSpPr>
+        <p:spPr>
+          <a:xfrm>
+            <a:off x="9949180" y="4871720"/>
+            <a:ext cx="1477645" cy="1511300"/>
+          </a:xfrm>
+          <a:prstGeom prst="plaque">
+            <a:avLst/>
+          </a:prstGeom>
+        </p:spPr>
+        <p:style>
+          <a:lnRef idx="2">
+            <a:schemeClr val="accent1">
+              <a:shade val="50000"/>
+            </a:schemeClr>
+          </a:lnRef>
+          <a:fillRef idx="1">
+            <a:schemeClr val="accent1"/>
+          </a:fillRef>
+          <a:effectRef idx="0">
+            <a:schemeClr val="accent1"/>
+          </a:effectRef>
+          <a:fontRef idx="minor">
+            <a:schemeClr val="lt1"/>
+          </a:fontRef>
+        </p:style>
+        <p:txBody>
+          <a:bodyPr rtlCol="0" anchor="ctr"/>
+          <a:p>
+            <a:pPr algn="ctr"/>
+            <a:endParaRPr lang="zh-CN" altLang="en-US"/>
+          </a:p>
+        </p:txBody>
+      </p:sp>
+      <p:sp>
+        <p:nvSpPr>
+          <p:cNvPr id="20" name="同心圆 19"/>
+          <p:cNvSpPr/>
+          <p:nvPr/>
+        </p:nvSpPr>
+        <p:spPr>
+          <a:xfrm>
+            <a:off x="4498975" y="4056380"/>
+            <a:ext cx="1731645" cy="1697990"/>
+          </a:xfrm>
+          <a:prstGeom prst="donut">
+            <a:avLst/>
+          </a:prstGeom>
+        </p:spPr>
+        <p:style>
+          <a:lnRef idx="2">
+            <a:schemeClr val="accent1">
+              <a:shade val="50000"/>
+            </a:schemeClr>
+          </a:lnRef>
+          <a:fillRef idx="1">
+            <a:schemeClr val="accent1"/>
+          </a:fillRef>
+          <a:effectRef idx="0">
+            <a:schemeClr val="accent1"/>
+          </a:effectRef>
+          <a:fontRef idx="minor">
+            <a:schemeClr val="lt1"/>
+          </a:fontRef>
+        </p:style>
+        <p:txBody>
+          <a:bodyPr rtlCol="0" anchor="ctr"/>
+          <a:p>
+            <a:pPr algn="ctr"/>
+            <a:endParaRPr lang="zh-CN" altLang="en-US">
+              <a:solidFill>
+                <a:schemeClr val="tx1"/>
+              </a:solidFill>
+            </a:endParaRPr>
           </a:p>
         </p:txBody>
       </p:sp>
